--- a/C BOX.pptx
+++ b/C BOX.pptx
@@ -5,10 +5,10 @@
     <p:sldMasterId id="2147483648" r:id="rId1"/>
   </p:sldMasterIdLst>
   <p:notesMasterIdLst>
-    <p:notesMasterId r:id="rId10"/>
+    <p:notesMasterId r:id="rId12"/>
   </p:notesMasterIdLst>
   <p:handoutMasterIdLst>
-    <p:handoutMasterId r:id="rId11"/>
+    <p:handoutMasterId r:id="rId13"/>
   </p:handoutMasterIdLst>
   <p:sldIdLst>
     <p:sldId id="262" r:id="rId2"/>
@@ -16,9 +16,11 @@
     <p:sldId id="256" r:id="rId4"/>
     <p:sldId id="257" r:id="rId5"/>
     <p:sldId id="258" r:id="rId6"/>
-    <p:sldId id="259" r:id="rId7"/>
-    <p:sldId id="260" r:id="rId8"/>
-    <p:sldId id="261" r:id="rId9"/>
+    <p:sldId id="265" r:id="rId7"/>
+    <p:sldId id="259" r:id="rId8"/>
+    <p:sldId id="264" r:id="rId9"/>
+    <p:sldId id="260" r:id="rId10"/>
+    <p:sldId id="261" r:id="rId11"/>
   </p:sldIdLst>
   <p:sldSz cx="9144000" cy="6858000" type="screen4x3"/>
   <p:notesSz cx="6858000" cy="9144000"/>
@@ -3146,6 +3148,82 @@
         <p14:creationId xmlns:p14="http://schemas.microsoft.com/office/powerpoint/2010/main" val="931046830"/>
       </p:ext>
     </p:extLst>
+  </p:cSld>
+  <p:clrMapOvr>
+    <a:masterClrMapping/>
+  </p:clrMapOvr>
+</p:sld>
+</file>
+
+<file path=ppt/slides/slide10.xml><?xml version="1.0" encoding="utf-8"?>
+<p:sld xmlns:a="http://schemas.openxmlformats.org/drawingml/2006/main" xmlns:r="http://schemas.openxmlformats.org/officeDocument/2006/relationships" xmlns:p="http://schemas.openxmlformats.org/presentationml/2006/main">
+  <p:cSld>
+    <p:spTree>
+      <p:nvGrpSpPr>
+        <p:cNvPr id="1" name=""/>
+        <p:cNvGrpSpPr/>
+        <p:nvPr/>
+      </p:nvGrpSpPr>
+      <p:grpSpPr>
+        <a:xfrm>
+          <a:off x="0" y="0"/>
+          <a:ext cx="0" cy="0"/>
+          <a:chOff x="0" y="0"/>
+          <a:chExt cx="0" cy="0"/>
+        </a:xfrm>
+      </p:grpSpPr>
+      <p:sp>
+        <p:nvSpPr>
+          <p:cNvPr id="2" name="제목 1"/>
+          <p:cNvSpPr>
+            <a:spLocks noGrp="1"/>
+          </p:cNvSpPr>
+          <p:nvPr>
+            <p:ph type="title"/>
+          </p:nvPr>
+        </p:nvSpPr>
+        <p:spPr/>
+        <p:txBody>
+          <a:bodyPr/>
+          <a:lstStyle/>
+          <a:p>
+            <a:endParaRPr lang="ko-KR" altLang="en-US"/>
+          </a:p>
+        </p:txBody>
+      </p:sp>
+      <p:sp>
+        <p:nvSpPr>
+          <p:cNvPr id="3" name="내용 개체 틀 2"/>
+          <p:cNvSpPr>
+            <a:spLocks noGrp="1"/>
+          </p:cNvSpPr>
+          <p:nvPr>
+            <p:ph idx="1"/>
+          </p:nvPr>
+        </p:nvSpPr>
+        <p:spPr/>
+        <p:txBody>
+          <a:bodyPr/>
+          <a:lstStyle/>
+          <a:p>
+            <a:pPr algn="ctr">
+              <a:buNone/>
+            </a:pPr>
+            <a:endParaRPr lang="en-US" altLang="ko-KR" sz="8000" dirty="0"/>
+          </a:p>
+          <a:p>
+            <a:pPr algn="ctr">
+              <a:buNone/>
+            </a:pPr>
+            <a:r>
+              <a:rPr lang="en-US" altLang="ko-KR" sz="8000" dirty="0"/>
+              <a:t>Q&amp;A</a:t>
+            </a:r>
+            <a:endParaRPr lang="ko-KR" altLang="en-US" sz="8000" dirty="0"/>
+          </a:p>
+        </p:txBody>
+      </p:sp>
+    </p:spTree>
   </p:cSld>
   <p:clrMapOvr>
     <a:masterClrMapping/>
@@ -4796,7 +4874,13 @@
       </p:grpSpPr>
       <p:sp>
         <p:nvSpPr>
-          <p:cNvPr id="2" name="제목 1"/>
+          <p:cNvPr id="2" name="제목 1">
+            <a:extLst>
+              <a:ext uri="{FF2B5EF4-FFF2-40B4-BE49-F238E27FC236}">
+                <a16:creationId xmlns:a16="http://schemas.microsoft.com/office/drawing/2014/main" id="{EA215255-99A2-4063-9EAB-810B74EA47D2}"/>
+              </a:ext>
+            </a:extLst>
+          </p:cNvPr>
           <p:cNvSpPr>
             <a:spLocks noGrp="1"/>
           </p:cNvSpPr>
@@ -4810,524 +4894,134 @@
           <a:lstStyle/>
           <a:p>
             <a:r>
-              <a:rPr lang="en-US" altLang="ko-KR" dirty="0"/>
-              <a:t>CBR BOX</a:t>
-            </a:r>
-            <a:endParaRPr lang="ko-KR" altLang="en-US" dirty="0"/>
-          </a:p>
-        </p:txBody>
-      </p:sp>
-      <p:sp>
-        <p:nvSpPr>
-          <p:cNvPr id="3" name="내용 개체 틀 2"/>
-          <p:cNvSpPr>
-            <a:spLocks noGrp="1"/>
-          </p:cNvSpPr>
-          <p:nvPr>
-            <p:ph idx="1"/>
-          </p:nvPr>
-        </p:nvSpPr>
-        <p:spPr>
-          <a:solidFill>
-            <a:schemeClr val="bg1">
-              <a:lumMod val="95000"/>
-            </a:schemeClr>
-          </a:solidFill>
-        </p:spPr>
-        <p:txBody>
-          <a:bodyPr/>
-          <a:lstStyle/>
-          <a:p>
-            <a:pPr marL="514350" indent="-514350">
-              <a:buFont typeface="Wingdings" pitchFamily="2" charset="2"/>
-              <a:buChar char="ü"/>
-            </a:pPr>
-            <a:r>
-              <a:rPr lang="en-US" altLang="ko-KR" b="1" dirty="0"/>
-              <a:t>3D </a:t>
-            </a:r>
-            <a:r>
-              <a:rPr lang="ko-KR" altLang="en-US" b="1" dirty="0"/>
-              <a:t>프린터 생산</a:t>
-            </a:r>
-            <a:endParaRPr lang="en-US" altLang="ko-KR" b="1" dirty="0"/>
-          </a:p>
-          <a:p>
-            <a:pPr>
-              <a:buNone/>
-            </a:pPr>
-            <a:r>
-              <a:rPr lang="en-US" altLang="ko-KR" sz="1800" dirty="0"/>
-              <a:t>   </a:t>
-            </a:r>
-            <a:r>
-              <a:rPr lang="ko-KR" altLang="en-US" sz="1800" dirty="0">
-                <a:solidFill>
-                  <a:schemeClr val="tx2">
-                    <a:lumMod val="85000"/>
-                    <a:lumOff val="15000"/>
-                  </a:schemeClr>
-                </a:solidFill>
-              </a:rPr>
-              <a:t>다양한 색상 및 형태 가능</a:t>
-            </a:r>
-            <a:r>
-              <a:rPr lang="en-US" altLang="ko-KR" sz="1800" dirty="0"/>
-              <a:t>(</a:t>
-            </a:r>
-            <a:r>
-              <a:rPr lang="en-US" altLang="ko-KR" sz="1800" u="sng" dirty="0"/>
-              <a:t>Customizing</a:t>
-            </a:r>
-            <a:r>
-              <a:rPr lang="en-US" altLang="ko-KR" sz="1800" dirty="0"/>
-              <a:t>)</a:t>
-            </a:r>
-          </a:p>
-          <a:p>
-            <a:pPr marL="514350" indent="-514350">
-              <a:buFont typeface="Wingdings" pitchFamily="2" charset="2"/>
-              <a:buChar char="ü"/>
-            </a:pPr>
-            <a:r>
-              <a:rPr lang="ko-KR" altLang="en-US" b="1" dirty="0"/>
-              <a:t>코팅</a:t>
-            </a:r>
-            <a:endParaRPr lang="en-US" altLang="ko-KR" b="1" dirty="0"/>
-          </a:p>
-          <a:p>
-            <a:pPr>
-              <a:buNone/>
-            </a:pPr>
-            <a:r>
-              <a:rPr lang="en-US" altLang="ko-KR" sz="1800" dirty="0"/>
-              <a:t>  </a:t>
-            </a:r>
-            <a:r>
-              <a:rPr lang="ko-KR" altLang="en-US" sz="1800" u="sng" dirty="0">
-                <a:solidFill>
-                  <a:schemeClr val="tx2">
-                    <a:lumMod val="85000"/>
-                    <a:lumOff val="15000"/>
-                  </a:schemeClr>
-                </a:solidFill>
-              </a:rPr>
-              <a:t>고열</a:t>
-            </a:r>
-            <a:r>
-              <a:rPr lang="en-US" altLang="ko-KR" sz="1800" dirty="0">
-                <a:solidFill>
-                  <a:schemeClr val="tx2">
-                    <a:lumMod val="85000"/>
-                    <a:lumOff val="15000"/>
-                  </a:schemeClr>
-                </a:solidFill>
-              </a:rPr>
-              <a:t>, </a:t>
-            </a:r>
-            <a:r>
-              <a:rPr lang="ko-KR" altLang="en-US" sz="1800" u="sng" dirty="0">
-                <a:solidFill>
-                  <a:schemeClr val="tx2">
-                    <a:lumMod val="85000"/>
-                    <a:lumOff val="15000"/>
-                  </a:schemeClr>
-                </a:solidFill>
-              </a:rPr>
-              <a:t>마모</a:t>
-            </a:r>
-            <a:r>
-              <a:rPr lang="en-US" altLang="ko-KR" sz="1800" dirty="0">
-                <a:solidFill>
-                  <a:schemeClr val="tx2">
-                    <a:lumMod val="85000"/>
-                    <a:lumOff val="15000"/>
-                  </a:schemeClr>
-                </a:solidFill>
-              </a:rPr>
-              <a:t>, </a:t>
-            </a:r>
-            <a:r>
-              <a:rPr lang="ko-KR" altLang="en-US" sz="1800" u="sng" dirty="0">
-                <a:solidFill>
-                  <a:schemeClr val="tx2">
-                    <a:lumMod val="85000"/>
-                    <a:lumOff val="15000"/>
-                  </a:schemeClr>
-                </a:solidFill>
-              </a:rPr>
-              <a:t>부식</a:t>
-            </a:r>
-            <a:r>
-              <a:rPr lang="ko-KR" altLang="en-US" sz="1800" dirty="0">
-                <a:solidFill>
-                  <a:schemeClr val="tx2">
-                    <a:lumMod val="85000"/>
-                    <a:lumOff val="15000"/>
-                  </a:schemeClr>
-                </a:solidFill>
-              </a:rPr>
-              <a:t>에 강한 코팅피막</a:t>
-            </a:r>
-            <a:endParaRPr lang="en-US" altLang="ko-KR" sz="1800" dirty="0">
-              <a:solidFill>
-                <a:schemeClr val="tx2">
-                  <a:lumMod val="85000"/>
-                  <a:lumOff val="15000"/>
-                </a:schemeClr>
-              </a:solidFill>
-            </a:endParaRPr>
-          </a:p>
-          <a:p>
-            <a:pPr>
-              <a:buFont typeface="Wingdings" pitchFamily="2" charset="2"/>
-              <a:buChar char="ü"/>
-            </a:pPr>
-            <a:r>
               <a:rPr lang="ko-KR" altLang="en-US" dirty="0"/>
-              <a:t>  </a:t>
-            </a:r>
-            <a:r>
-              <a:rPr lang="ko-KR" altLang="en-US" b="1" dirty="0"/>
-              <a:t>전자</a:t>
-            </a:r>
-            <a:endParaRPr lang="en-US" altLang="ko-KR" b="1" dirty="0"/>
-          </a:p>
-          <a:p>
-            <a:pPr>
-              <a:buNone/>
-            </a:pPr>
-            <a:r>
-              <a:rPr lang="en-US" altLang="ko-KR" sz="1800" dirty="0"/>
-              <a:t>   </a:t>
-            </a:r>
-            <a:r>
-              <a:rPr lang="ko-KR" altLang="en-US" sz="1800" dirty="0">
-                <a:solidFill>
-                  <a:schemeClr val="tx2">
-                    <a:lumMod val="85000"/>
-                    <a:lumOff val="15000"/>
-                  </a:schemeClr>
-                </a:solidFill>
-              </a:rPr>
-              <a:t>잔량확인</a:t>
-            </a:r>
-            <a:r>
-              <a:rPr lang="ko-KR" altLang="en-US" sz="1800" u="sng" dirty="0">
-                <a:solidFill>
-                  <a:schemeClr val="tx2">
-                    <a:lumMod val="85000"/>
-                    <a:lumOff val="15000"/>
-                  </a:schemeClr>
-                </a:solidFill>
-              </a:rPr>
-              <a:t> </a:t>
-            </a:r>
-            <a:r>
-              <a:rPr lang="en-US" altLang="ko-KR" sz="1800" u="sng" dirty="0">
-                <a:solidFill>
-                  <a:schemeClr val="tx2">
-                    <a:lumMod val="85000"/>
-                    <a:lumOff val="15000"/>
-                  </a:schemeClr>
-                </a:solidFill>
-              </a:rPr>
-              <a:t>LED</a:t>
-            </a:r>
-          </a:p>
-          <a:p>
-            <a:pPr>
-              <a:buNone/>
-            </a:pPr>
-            <a:r>
-              <a:rPr lang="en-US" altLang="ko-KR" sz="1800" dirty="0">
-                <a:solidFill>
-                  <a:schemeClr val="tx2">
-                    <a:lumMod val="85000"/>
-                    <a:lumOff val="15000"/>
-                  </a:schemeClr>
-                </a:solidFill>
-              </a:rPr>
-              <a:t>   </a:t>
-            </a:r>
-            <a:r>
-              <a:rPr lang="ko-KR" altLang="en-US" sz="1800" u="sng" dirty="0">
-                <a:solidFill>
-                  <a:schemeClr val="tx2">
-                    <a:lumMod val="85000"/>
-                    <a:lumOff val="15000"/>
-                  </a:schemeClr>
-                </a:solidFill>
-              </a:rPr>
-              <a:t>스테레오 스피커</a:t>
-            </a:r>
-            <a:r>
-              <a:rPr lang="en-US" altLang="ko-KR" sz="1800" dirty="0">
-                <a:solidFill>
-                  <a:schemeClr val="tx2">
-                    <a:lumMod val="85000"/>
-                    <a:lumOff val="15000"/>
-                  </a:schemeClr>
-                </a:solidFill>
-              </a:rPr>
-              <a:t>(</a:t>
-            </a:r>
-            <a:r>
-              <a:rPr lang="ko-KR" altLang="en-US" sz="1800" dirty="0">
-                <a:solidFill>
-                  <a:schemeClr val="tx2">
-                    <a:lumMod val="85000"/>
-                    <a:lumOff val="15000"/>
-                  </a:schemeClr>
-                </a:solidFill>
-              </a:rPr>
-              <a:t>위치노출</a:t>
-            </a:r>
-            <a:r>
-              <a:rPr lang="en-US" altLang="ko-KR" sz="1800" dirty="0">
-                <a:solidFill>
-                  <a:schemeClr val="tx2">
-                    <a:lumMod val="85000"/>
-                    <a:lumOff val="15000"/>
-                  </a:schemeClr>
-                </a:solidFill>
-              </a:rPr>
-              <a:t>)</a:t>
-            </a:r>
-          </a:p>
-          <a:p>
-            <a:pPr>
-              <a:buNone/>
-            </a:pPr>
-            <a:r>
-              <a:rPr lang="en-US" altLang="ko-KR" sz="1800" dirty="0">
-                <a:solidFill>
-                  <a:schemeClr val="tx2">
-                    <a:lumMod val="85000"/>
-                    <a:lumOff val="15000"/>
-                  </a:schemeClr>
-                </a:solidFill>
-              </a:rPr>
-              <a:t>   </a:t>
-            </a:r>
-            <a:r>
-              <a:rPr lang="ko-KR" altLang="en-US" sz="1800" dirty="0" err="1">
-                <a:solidFill>
-                  <a:schemeClr val="tx2">
-                    <a:lumMod val="85000"/>
-                    <a:lumOff val="15000"/>
-                  </a:schemeClr>
-                </a:solidFill>
-              </a:rPr>
-              <a:t>어플</a:t>
-            </a:r>
-            <a:r>
-              <a:rPr lang="ko-KR" altLang="en-US" sz="1800" dirty="0">
-                <a:solidFill>
-                  <a:schemeClr val="tx2">
-                    <a:lumMod val="85000"/>
-                    <a:lumOff val="15000"/>
-                  </a:schemeClr>
-                </a:solidFill>
-              </a:rPr>
-              <a:t> </a:t>
-            </a:r>
-            <a:r>
-              <a:rPr lang="en-US" altLang="ko-KR" sz="1800" dirty="0">
-                <a:solidFill>
-                  <a:schemeClr val="tx2">
-                    <a:lumMod val="85000"/>
-                    <a:lumOff val="15000"/>
-                  </a:schemeClr>
-                </a:solidFill>
-              </a:rPr>
-              <a:t>– </a:t>
-            </a:r>
-            <a:r>
-              <a:rPr lang="ko-KR" altLang="en-US" sz="1800" dirty="0">
-                <a:solidFill>
-                  <a:schemeClr val="tx2">
-                    <a:lumMod val="85000"/>
-                    <a:lumOff val="15000"/>
-                  </a:schemeClr>
-                </a:solidFill>
-              </a:rPr>
-              <a:t>위치서비스 및 내부 </a:t>
-            </a:r>
-            <a:r>
-              <a:rPr lang="ko-KR" altLang="en-US" sz="1800" dirty="0" err="1">
-                <a:solidFill>
-                  <a:schemeClr val="tx2">
-                    <a:lumMod val="85000"/>
-                    <a:lumOff val="15000"/>
-                  </a:schemeClr>
-                </a:solidFill>
-              </a:rPr>
-              <a:t>용기량</a:t>
-            </a:r>
-            <a:r>
-              <a:rPr lang="ko-KR" altLang="en-US" sz="1800" dirty="0">
-                <a:solidFill>
-                  <a:schemeClr val="tx2">
-                    <a:lumMod val="85000"/>
-                    <a:lumOff val="15000"/>
-                  </a:schemeClr>
-                </a:solidFill>
-              </a:rPr>
-              <a:t> 확인 가능</a:t>
-            </a:r>
-            <a:endParaRPr lang="en-US" altLang="ko-KR" sz="1800" dirty="0">
-              <a:solidFill>
-                <a:schemeClr val="tx2">
-                  <a:lumMod val="85000"/>
-                  <a:lumOff val="15000"/>
-                </a:schemeClr>
-              </a:solidFill>
-            </a:endParaRPr>
-          </a:p>
-          <a:p>
-            <a:pPr>
-              <a:buFont typeface="Wingdings" pitchFamily="2" charset="2"/>
-              <a:buChar char="ü"/>
-            </a:pPr>
-            <a:r>
-              <a:rPr lang="en-US" altLang="ko-KR" dirty="0"/>
-              <a:t> </a:t>
-            </a:r>
-            <a:r>
-              <a:rPr lang="ko-KR" altLang="en-US" b="1" dirty="0"/>
-              <a:t>서비스</a:t>
-            </a:r>
-            <a:endParaRPr lang="en-US" altLang="ko-KR" b="1" dirty="0"/>
-          </a:p>
-          <a:p>
-            <a:pPr>
-              <a:buNone/>
-            </a:pPr>
-            <a:r>
-              <a:rPr lang="en-US" altLang="ko-KR" sz="1800" dirty="0"/>
-              <a:t>  </a:t>
-            </a:r>
-            <a:r>
-              <a:rPr lang="ko-KR" altLang="en-US" sz="1800" dirty="0">
-                <a:solidFill>
-                  <a:schemeClr val="tx2">
-                    <a:lumMod val="85000"/>
-                    <a:lumOff val="15000"/>
-                  </a:schemeClr>
-                </a:solidFill>
-              </a:rPr>
-              <a:t>공공장소를 위한 </a:t>
-            </a:r>
-            <a:r>
-              <a:rPr lang="ko-KR" altLang="en-US" sz="1800" u="sng" dirty="0">
-                <a:solidFill>
-                  <a:schemeClr val="tx2">
-                    <a:lumMod val="85000"/>
-                    <a:lumOff val="15000"/>
-                  </a:schemeClr>
-                </a:solidFill>
-              </a:rPr>
-              <a:t>폐기물 솔루션 </a:t>
-            </a:r>
-            <a:r>
-              <a:rPr lang="ko-KR" altLang="en-US" sz="1800" dirty="0">
-                <a:solidFill>
-                  <a:schemeClr val="tx2">
-                    <a:lumMod val="85000"/>
-                    <a:lumOff val="15000"/>
-                  </a:schemeClr>
-                </a:solidFill>
-              </a:rPr>
-              <a:t>제공</a:t>
-            </a:r>
-            <a:endParaRPr lang="en-US" altLang="ko-KR" sz="1800" dirty="0">
-              <a:solidFill>
-                <a:schemeClr val="tx2">
-                  <a:lumMod val="85000"/>
-                  <a:lumOff val="15000"/>
-                </a:schemeClr>
-              </a:solidFill>
-            </a:endParaRPr>
-          </a:p>
-          <a:p>
-            <a:pPr>
-              <a:buNone/>
-            </a:pPr>
-            <a:r>
-              <a:rPr lang="en-US" altLang="ko-KR" sz="1800" dirty="0">
-                <a:solidFill>
-                  <a:schemeClr val="tx2">
-                    <a:lumMod val="85000"/>
-                    <a:lumOff val="15000"/>
-                  </a:schemeClr>
-                </a:solidFill>
-              </a:rPr>
-              <a:t>  </a:t>
-            </a:r>
-            <a:r>
-              <a:rPr lang="ko-KR" altLang="en-US" sz="1800" dirty="0">
-                <a:solidFill>
-                  <a:schemeClr val="tx2">
-                    <a:lumMod val="85000"/>
-                    <a:lumOff val="15000"/>
-                  </a:schemeClr>
-                </a:solidFill>
-              </a:rPr>
-              <a:t>재활용된 원료 → </a:t>
-            </a:r>
-            <a:r>
-              <a:rPr lang="ko-KR" altLang="en-US" sz="1800" u="sng" dirty="0">
-                <a:solidFill>
-                  <a:schemeClr val="tx2">
-                    <a:lumMod val="85000"/>
-                    <a:lumOff val="15000"/>
-                  </a:schemeClr>
-                </a:solidFill>
-              </a:rPr>
-              <a:t>지역사회</a:t>
-            </a:r>
-            <a:r>
-              <a:rPr lang="ko-KR" altLang="en-US" sz="1800" dirty="0">
-                <a:solidFill>
-                  <a:schemeClr val="tx2">
-                    <a:lumMod val="85000"/>
-                    <a:lumOff val="15000"/>
-                  </a:schemeClr>
-                </a:solidFill>
-              </a:rPr>
-              <a:t>를 위해 사용</a:t>
+              <a:t>담배꽁초 재활용 국내 사례</a:t>
             </a:r>
           </a:p>
         </p:txBody>
       </p:sp>
       <p:pic>
         <p:nvPicPr>
-          <p:cNvPr id="4099" name="Picture 3" descr="C:\Users\fveep\Desktop\오목눈이\222.PNG"/>
+          <p:cNvPr id="5" name="내용 개체 틀 4">
+            <a:extLst>
+              <a:ext uri="{FF2B5EF4-FFF2-40B4-BE49-F238E27FC236}">
+                <a16:creationId xmlns:a16="http://schemas.microsoft.com/office/drawing/2014/main" id="{4398C6BA-0987-4D01-A59F-69463E9899A8}"/>
+              </a:ext>
+            </a:extLst>
+          </p:cNvPr>
           <p:cNvPicPr>
-            <a:picLocks noChangeAspect="1" noChangeArrowheads="1"/>
+            <a:picLocks noGrp="1" noChangeAspect="1"/>
           </p:cNvPicPr>
-          <p:nvPr/>
+          <p:nvPr>
+            <p:ph idx="1"/>
+          </p:nvPr>
         </p:nvPicPr>
         <p:blipFill>
-          <a:blip r:embed="rId2" cstate="print"/>
-          <a:srcRect/>
+          <a:blip r:embed="rId2">
+            <a:extLst>
+              <a:ext uri="{28A0092B-C50C-407E-A947-70E740481C1C}">
+                <a14:useLocalDpi xmlns:a14="http://schemas.microsoft.com/office/drawing/2010/main" val="0"/>
+              </a:ext>
+            </a:extLst>
+          </a:blip>
           <a:stretch>
             <a:fillRect/>
           </a:stretch>
         </p:blipFill>
-        <p:spPr bwMode="auto">
+        <p:spPr>
           <a:xfrm>
-            <a:off x="5429256" y="1714488"/>
-            <a:ext cx="3452790" cy="2143140"/>
+            <a:off x="1116013" y="1412875"/>
+            <a:ext cx="3723926" cy="4968875"/>
+          </a:xfrm>
+        </p:spPr>
+      </p:pic>
+      <p:sp>
+        <p:nvSpPr>
+          <p:cNvPr id="6" name="TextBox 5">
+            <a:extLst>
+              <a:ext uri="{FF2B5EF4-FFF2-40B4-BE49-F238E27FC236}">
+                <a16:creationId xmlns:a16="http://schemas.microsoft.com/office/drawing/2014/main" id="{BA628F90-D2DA-4B88-81E5-7A9A1BE29AE4}"/>
+              </a:ext>
+            </a:extLst>
+          </p:cNvPr>
+          <p:cNvSpPr txBox="1"/>
+          <p:nvPr/>
+        </p:nvSpPr>
+        <p:spPr>
+          <a:xfrm>
+            <a:off x="4872496" y="1412875"/>
+            <a:ext cx="3723926" cy="1938992"/>
           </a:xfrm>
           <a:prstGeom prst="rect">
             <a:avLst/>
           </a:prstGeom>
           <a:noFill/>
         </p:spPr>
-      </p:pic>
+        <p:txBody>
+          <a:bodyPr wrap="square" rtlCol="0">
+            <a:spAutoFit/>
+          </a:bodyPr>
+          <a:lstStyle/>
+          <a:p>
+            <a:r>
+              <a:rPr lang="en-US" altLang="ko-KR" sz="1500" dirty="0"/>
+              <a:t> </a:t>
+            </a:r>
+            <a:r>
+              <a:rPr lang="ko-KR" altLang="en-US" sz="1500" dirty="0"/>
+              <a:t>국내에서도 최근 </a:t>
+            </a:r>
+            <a:r>
+              <a:rPr lang="ko-KR" altLang="en-US" sz="1500" dirty="0" err="1"/>
+              <a:t>이지원바이오</a:t>
+            </a:r>
+            <a:r>
+              <a:rPr lang="ko-KR" altLang="en-US" sz="1500" dirty="0"/>
+              <a:t> 라는 중소기업에서 수도권 중심으로 담배꽁초를 재활용 하는 수거통을 보급을 하여 담배꽁초를 수거 하고 있습니다</a:t>
+            </a:r>
+            <a:r>
+              <a:rPr lang="en-US" altLang="ko-KR" sz="1500" dirty="0"/>
+              <a:t>.</a:t>
+            </a:r>
+            <a:r>
+              <a:rPr lang="ko-KR" altLang="en-US" sz="1500" dirty="0"/>
+              <a:t> </a:t>
+            </a:r>
+            <a:endParaRPr lang="en-US" altLang="ko-KR" sz="1500" dirty="0"/>
+          </a:p>
+          <a:p>
+            <a:endParaRPr lang="en-US" altLang="ko-KR" sz="1500" dirty="0"/>
+          </a:p>
+          <a:p>
+            <a:r>
+              <a:rPr lang="ko-KR" altLang="en-US" sz="1500" dirty="0"/>
+              <a:t>수거된 담배꽁초는 비 농업용 비료로 재활용되어 골프장</a:t>
+            </a:r>
+            <a:r>
+              <a:rPr lang="en-US" altLang="ko-KR" sz="1500" dirty="0"/>
+              <a:t>, </a:t>
+            </a:r>
+            <a:r>
+              <a:rPr lang="ko-KR" altLang="en-US" sz="1500" dirty="0" err="1"/>
+              <a:t>가로수등의</a:t>
+            </a:r>
+            <a:r>
+              <a:rPr lang="ko-KR" altLang="en-US" sz="1500" dirty="0"/>
+              <a:t> 비료로 쓰이고 있다</a:t>
+            </a:r>
+            <a:r>
+              <a:rPr lang="en-US" altLang="ko-KR" sz="1500" dirty="0"/>
+              <a:t>.</a:t>
+            </a:r>
+          </a:p>
+        </p:txBody>
+      </p:sp>
     </p:spTree>
+    <p:extLst>
+      <p:ext uri="{BB962C8B-B14F-4D97-AF65-F5344CB8AC3E}">
+        <p14:creationId xmlns:p14="http://schemas.microsoft.com/office/powerpoint/2010/main" val="919135254"/>
+      </p:ext>
+    </p:extLst>
   </p:cSld>
   <p:clrMapOvr>
     <a:masterClrMapping/>
@@ -5367,7 +5061,11 @@
           <a:bodyPr/>
           <a:lstStyle/>
           <a:p>
-            <a:endParaRPr lang="ko-KR" altLang="en-US"/>
+            <a:r>
+              <a:rPr lang="en-US" altLang="ko-KR" dirty="0"/>
+              <a:t>CBR BOX</a:t>
+            </a:r>
+            <a:endParaRPr lang="ko-KR" altLang="en-US" dirty="0"/>
           </a:p>
         </p:txBody>
       </p:sp>
@@ -5381,32 +5079,506 @@
             <p:ph idx="1"/>
           </p:nvPr>
         </p:nvSpPr>
-        <p:spPr/>
+        <p:spPr>
+          <a:solidFill>
+            <a:schemeClr val="bg1">
+              <a:lumMod val="95000"/>
+            </a:schemeClr>
+          </a:solidFill>
+        </p:spPr>
         <p:txBody>
           <a:bodyPr/>
           <a:lstStyle/>
           <a:p>
-            <a:pPr algn="ctr">
+            <a:pPr marL="514350" indent="-514350">
+              <a:buFont typeface="Wingdings" pitchFamily="2" charset="2"/>
+              <a:buChar char="ü"/>
+            </a:pPr>
+            <a:r>
+              <a:rPr lang="en-US" altLang="ko-KR" b="1" dirty="0"/>
+              <a:t>3D </a:t>
+            </a:r>
+            <a:r>
+              <a:rPr lang="ko-KR" altLang="en-US" b="1" dirty="0"/>
+              <a:t>프린터 생산</a:t>
+            </a:r>
+            <a:endParaRPr lang="en-US" altLang="ko-KR" b="1" dirty="0"/>
+          </a:p>
+          <a:p>
+            <a:pPr>
               <a:buNone/>
             </a:pPr>
-            <a:endParaRPr lang="en-US" altLang="ko-KR" sz="7200" b="1" dirty="0"/>
-          </a:p>
-          <a:p>
-            <a:pPr algn="ctr">
+            <a:r>
+              <a:rPr lang="en-US" altLang="ko-KR" sz="1800" dirty="0"/>
+              <a:t>   </a:t>
+            </a:r>
+            <a:r>
+              <a:rPr lang="ko-KR" altLang="en-US" sz="1800" dirty="0">
+                <a:solidFill>
+                  <a:schemeClr val="tx2">
+                    <a:lumMod val="85000"/>
+                    <a:lumOff val="15000"/>
+                  </a:schemeClr>
+                </a:solidFill>
+              </a:rPr>
+              <a:t>다양한 색상 및 형태 가능</a:t>
+            </a:r>
+            <a:r>
+              <a:rPr lang="en-US" altLang="ko-KR" sz="1800" dirty="0"/>
+              <a:t>(</a:t>
+            </a:r>
+            <a:r>
+              <a:rPr lang="en-US" altLang="ko-KR" sz="1800" u="sng" dirty="0"/>
+              <a:t>Customizing</a:t>
+            </a:r>
+            <a:r>
+              <a:rPr lang="en-US" altLang="ko-KR" sz="1800" dirty="0"/>
+              <a:t>)</a:t>
+            </a:r>
+          </a:p>
+          <a:p>
+            <a:pPr marL="514350" indent="-514350">
+              <a:buFont typeface="Wingdings" pitchFamily="2" charset="2"/>
+              <a:buChar char="ü"/>
+            </a:pPr>
+            <a:r>
+              <a:rPr lang="ko-KR" altLang="en-US" b="1" dirty="0"/>
+              <a:t>코팅</a:t>
+            </a:r>
+            <a:endParaRPr lang="en-US" altLang="ko-KR" b="1" dirty="0"/>
+          </a:p>
+          <a:p>
+            <a:pPr>
               <a:buNone/>
             </a:pPr>
             <a:r>
-              <a:rPr lang="ko-KR" altLang="en-US" sz="7200" b="1" dirty="0"/>
-              <a:t>감사합니다</a:t>
-            </a:r>
-            <a:r>
-              <a:rPr lang="en-US" altLang="ko-KR" sz="7200" b="1" dirty="0"/>
-              <a:t>.</a:t>
-            </a:r>
-            <a:endParaRPr lang="ko-KR" altLang="en-US" sz="7200" b="1" dirty="0"/>
+              <a:rPr lang="en-US" altLang="ko-KR" sz="1800" dirty="0"/>
+              <a:t>  </a:t>
+            </a:r>
+            <a:r>
+              <a:rPr lang="ko-KR" altLang="en-US" sz="1800" u="sng" dirty="0">
+                <a:solidFill>
+                  <a:schemeClr val="tx2">
+                    <a:lumMod val="85000"/>
+                    <a:lumOff val="15000"/>
+                  </a:schemeClr>
+                </a:solidFill>
+              </a:rPr>
+              <a:t>고열</a:t>
+            </a:r>
+            <a:r>
+              <a:rPr lang="en-US" altLang="ko-KR" sz="1800" dirty="0">
+                <a:solidFill>
+                  <a:schemeClr val="tx2">
+                    <a:lumMod val="85000"/>
+                    <a:lumOff val="15000"/>
+                  </a:schemeClr>
+                </a:solidFill>
+              </a:rPr>
+              <a:t>, </a:t>
+            </a:r>
+            <a:r>
+              <a:rPr lang="ko-KR" altLang="en-US" sz="1800" u="sng" dirty="0">
+                <a:solidFill>
+                  <a:schemeClr val="tx2">
+                    <a:lumMod val="85000"/>
+                    <a:lumOff val="15000"/>
+                  </a:schemeClr>
+                </a:solidFill>
+              </a:rPr>
+              <a:t>마모</a:t>
+            </a:r>
+            <a:r>
+              <a:rPr lang="en-US" altLang="ko-KR" sz="1800" dirty="0">
+                <a:solidFill>
+                  <a:schemeClr val="tx2">
+                    <a:lumMod val="85000"/>
+                    <a:lumOff val="15000"/>
+                  </a:schemeClr>
+                </a:solidFill>
+              </a:rPr>
+              <a:t>, </a:t>
+            </a:r>
+            <a:r>
+              <a:rPr lang="ko-KR" altLang="en-US" sz="1800" u="sng" dirty="0">
+                <a:solidFill>
+                  <a:schemeClr val="tx2">
+                    <a:lumMod val="85000"/>
+                    <a:lumOff val="15000"/>
+                  </a:schemeClr>
+                </a:solidFill>
+              </a:rPr>
+              <a:t>부식</a:t>
+            </a:r>
+            <a:r>
+              <a:rPr lang="ko-KR" altLang="en-US" sz="1800" dirty="0">
+                <a:solidFill>
+                  <a:schemeClr val="tx2">
+                    <a:lumMod val="85000"/>
+                    <a:lumOff val="15000"/>
+                  </a:schemeClr>
+                </a:solidFill>
+              </a:rPr>
+              <a:t>에 강한 코팅피막</a:t>
+            </a:r>
+            <a:endParaRPr lang="en-US" altLang="ko-KR" sz="1800" dirty="0">
+              <a:solidFill>
+                <a:schemeClr val="tx2">
+                  <a:lumMod val="85000"/>
+                  <a:lumOff val="15000"/>
+                </a:schemeClr>
+              </a:solidFill>
+            </a:endParaRPr>
+          </a:p>
+          <a:p>
+            <a:pPr>
+              <a:buFont typeface="Wingdings" pitchFamily="2" charset="2"/>
+              <a:buChar char="ü"/>
+            </a:pPr>
+            <a:r>
+              <a:rPr lang="ko-KR" altLang="en-US" dirty="0"/>
+              <a:t>  </a:t>
+            </a:r>
+            <a:r>
+              <a:rPr lang="ko-KR" altLang="en-US" b="1" dirty="0"/>
+              <a:t>전자</a:t>
+            </a:r>
+            <a:endParaRPr lang="en-US" altLang="ko-KR" b="1" dirty="0"/>
+          </a:p>
+          <a:p>
+            <a:pPr>
+              <a:buNone/>
+            </a:pPr>
+            <a:r>
+              <a:rPr lang="en-US" altLang="ko-KR" sz="1800" dirty="0"/>
+              <a:t>   </a:t>
+            </a:r>
+            <a:r>
+              <a:rPr lang="ko-KR" altLang="en-US" sz="1800" dirty="0">
+                <a:solidFill>
+                  <a:schemeClr val="tx2">
+                    <a:lumMod val="85000"/>
+                    <a:lumOff val="15000"/>
+                  </a:schemeClr>
+                </a:solidFill>
+              </a:rPr>
+              <a:t>잔량확인</a:t>
+            </a:r>
+            <a:r>
+              <a:rPr lang="ko-KR" altLang="en-US" sz="1800" u="sng" dirty="0">
+                <a:solidFill>
+                  <a:schemeClr val="tx2">
+                    <a:lumMod val="85000"/>
+                    <a:lumOff val="15000"/>
+                  </a:schemeClr>
+                </a:solidFill>
+              </a:rPr>
+              <a:t> </a:t>
+            </a:r>
+            <a:r>
+              <a:rPr lang="en-US" altLang="ko-KR" sz="1800" u="sng" dirty="0">
+                <a:solidFill>
+                  <a:schemeClr val="tx2">
+                    <a:lumMod val="85000"/>
+                    <a:lumOff val="15000"/>
+                  </a:schemeClr>
+                </a:solidFill>
+              </a:rPr>
+              <a:t>LED</a:t>
+            </a:r>
+          </a:p>
+          <a:p>
+            <a:pPr>
+              <a:buNone/>
+            </a:pPr>
+            <a:r>
+              <a:rPr lang="en-US" altLang="ko-KR" sz="1800" dirty="0">
+                <a:solidFill>
+                  <a:schemeClr val="tx2">
+                    <a:lumMod val="85000"/>
+                    <a:lumOff val="15000"/>
+                  </a:schemeClr>
+                </a:solidFill>
+              </a:rPr>
+              <a:t>   </a:t>
+            </a:r>
+            <a:r>
+              <a:rPr lang="ko-KR" altLang="en-US" sz="1800" u="sng" dirty="0">
+                <a:solidFill>
+                  <a:schemeClr val="tx2">
+                    <a:lumMod val="85000"/>
+                    <a:lumOff val="15000"/>
+                  </a:schemeClr>
+                </a:solidFill>
+              </a:rPr>
+              <a:t>스테레오 스피커</a:t>
+            </a:r>
+            <a:r>
+              <a:rPr lang="en-US" altLang="ko-KR" sz="1800" dirty="0">
+                <a:solidFill>
+                  <a:schemeClr val="tx2">
+                    <a:lumMod val="85000"/>
+                    <a:lumOff val="15000"/>
+                  </a:schemeClr>
+                </a:solidFill>
+              </a:rPr>
+              <a:t>(</a:t>
+            </a:r>
+            <a:r>
+              <a:rPr lang="ko-KR" altLang="en-US" sz="1800" dirty="0">
+                <a:solidFill>
+                  <a:schemeClr val="tx2">
+                    <a:lumMod val="85000"/>
+                    <a:lumOff val="15000"/>
+                  </a:schemeClr>
+                </a:solidFill>
+              </a:rPr>
+              <a:t>위치노출</a:t>
+            </a:r>
+            <a:r>
+              <a:rPr lang="en-US" altLang="ko-KR" sz="1800" dirty="0">
+                <a:solidFill>
+                  <a:schemeClr val="tx2">
+                    <a:lumMod val="85000"/>
+                    <a:lumOff val="15000"/>
+                  </a:schemeClr>
+                </a:solidFill>
+              </a:rPr>
+              <a:t>)</a:t>
+            </a:r>
+          </a:p>
+          <a:p>
+            <a:pPr>
+              <a:buNone/>
+            </a:pPr>
+            <a:r>
+              <a:rPr lang="en-US" altLang="ko-KR" sz="1800" dirty="0">
+                <a:solidFill>
+                  <a:schemeClr val="tx2">
+                    <a:lumMod val="85000"/>
+                    <a:lumOff val="15000"/>
+                  </a:schemeClr>
+                </a:solidFill>
+              </a:rPr>
+              <a:t>   </a:t>
+            </a:r>
+            <a:r>
+              <a:rPr lang="ko-KR" altLang="en-US" sz="1800" dirty="0" err="1">
+                <a:solidFill>
+                  <a:schemeClr val="tx2">
+                    <a:lumMod val="85000"/>
+                    <a:lumOff val="15000"/>
+                  </a:schemeClr>
+                </a:solidFill>
+              </a:rPr>
+              <a:t>어플</a:t>
+            </a:r>
+            <a:r>
+              <a:rPr lang="ko-KR" altLang="en-US" sz="1800" dirty="0">
+                <a:solidFill>
+                  <a:schemeClr val="tx2">
+                    <a:lumMod val="85000"/>
+                    <a:lumOff val="15000"/>
+                  </a:schemeClr>
+                </a:solidFill>
+              </a:rPr>
+              <a:t> </a:t>
+            </a:r>
+            <a:r>
+              <a:rPr lang="en-US" altLang="ko-KR" sz="1800" dirty="0">
+                <a:solidFill>
+                  <a:schemeClr val="tx2">
+                    <a:lumMod val="85000"/>
+                    <a:lumOff val="15000"/>
+                  </a:schemeClr>
+                </a:solidFill>
+              </a:rPr>
+              <a:t>– </a:t>
+            </a:r>
+            <a:r>
+              <a:rPr lang="ko-KR" altLang="en-US" sz="1800" dirty="0">
+                <a:solidFill>
+                  <a:schemeClr val="tx2">
+                    <a:lumMod val="85000"/>
+                    <a:lumOff val="15000"/>
+                  </a:schemeClr>
+                </a:solidFill>
+              </a:rPr>
+              <a:t>위치서비스 및 내부 </a:t>
+            </a:r>
+            <a:r>
+              <a:rPr lang="ko-KR" altLang="en-US" sz="1800" dirty="0" err="1">
+                <a:solidFill>
+                  <a:schemeClr val="tx2">
+                    <a:lumMod val="85000"/>
+                    <a:lumOff val="15000"/>
+                  </a:schemeClr>
+                </a:solidFill>
+              </a:rPr>
+              <a:t>용기량</a:t>
+            </a:r>
+            <a:r>
+              <a:rPr lang="ko-KR" altLang="en-US" sz="1800" dirty="0">
+                <a:solidFill>
+                  <a:schemeClr val="tx2">
+                    <a:lumMod val="85000"/>
+                    <a:lumOff val="15000"/>
+                  </a:schemeClr>
+                </a:solidFill>
+              </a:rPr>
+              <a:t> 확인 가능</a:t>
+            </a:r>
+            <a:endParaRPr lang="en-US" altLang="ko-KR" sz="1800" dirty="0">
+              <a:solidFill>
+                <a:schemeClr val="tx2">
+                  <a:lumMod val="85000"/>
+                  <a:lumOff val="15000"/>
+                </a:schemeClr>
+              </a:solidFill>
+            </a:endParaRPr>
+          </a:p>
+          <a:p>
+            <a:pPr>
+              <a:buFont typeface="Wingdings" pitchFamily="2" charset="2"/>
+              <a:buChar char="ü"/>
+            </a:pPr>
+            <a:r>
+              <a:rPr lang="en-US" altLang="ko-KR" dirty="0"/>
+              <a:t> </a:t>
+            </a:r>
+            <a:r>
+              <a:rPr lang="ko-KR" altLang="en-US" b="1" dirty="0"/>
+              <a:t>서비스</a:t>
+            </a:r>
+            <a:endParaRPr lang="en-US" altLang="ko-KR" b="1" dirty="0"/>
+          </a:p>
+          <a:p>
+            <a:pPr>
+              <a:buNone/>
+            </a:pPr>
+            <a:r>
+              <a:rPr lang="en-US" altLang="ko-KR" sz="1800" dirty="0"/>
+              <a:t>  </a:t>
+            </a:r>
+            <a:r>
+              <a:rPr lang="ko-KR" altLang="en-US" sz="1800" dirty="0">
+                <a:solidFill>
+                  <a:schemeClr val="tx2">
+                    <a:lumMod val="85000"/>
+                    <a:lumOff val="15000"/>
+                  </a:schemeClr>
+                </a:solidFill>
+              </a:rPr>
+              <a:t>공공장소를 위한 </a:t>
+            </a:r>
+            <a:r>
+              <a:rPr lang="ko-KR" altLang="en-US" sz="1800" u="sng" dirty="0">
+                <a:solidFill>
+                  <a:schemeClr val="tx2">
+                    <a:lumMod val="85000"/>
+                    <a:lumOff val="15000"/>
+                  </a:schemeClr>
+                </a:solidFill>
+              </a:rPr>
+              <a:t>폐기물 솔루션 </a:t>
+            </a:r>
+            <a:r>
+              <a:rPr lang="ko-KR" altLang="en-US" sz="1800" dirty="0">
+                <a:solidFill>
+                  <a:schemeClr val="tx2">
+                    <a:lumMod val="85000"/>
+                    <a:lumOff val="15000"/>
+                  </a:schemeClr>
+                </a:solidFill>
+              </a:rPr>
+              <a:t>제공</a:t>
+            </a:r>
+            <a:endParaRPr lang="en-US" altLang="ko-KR" sz="1800" dirty="0">
+              <a:solidFill>
+                <a:schemeClr val="tx2">
+                  <a:lumMod val="85000"/>
+                  <a:lumOff val="15000"/>
+                </a:schemeClr>
+              </a:solidFill>
+            </a:endParaRPr>
+          </a:p>
+          <a:p>
+            <a:pPr>
+              <a:buNone/>
+            </a:pPr>
+            <a:r>
+              <a:rPr lang="en-US" altLang="ko-KR" sz="1800" dirty="0">
+                <a:solidFill>
+                  <a:schemeClr val="tx2">
+                    <a:lumMod val="85000"/>
+                    <a:lumOff val="15000"/>
+                  </a:schemeClr>
+                </a:solidFill>
+              </a:rPr>
+              <a:t>  </a:t>
+            </a:r>
+            <a:r>
+              <a:rPr lang="ko-KR" altLang="en-US" sz="1800" dirty="0">
+                <a:solidFill>
+                  <a:schemeClr val="tx2">
+                    <a:lumMod val="85000"/>
+                    <a:lumOff val="15000"/>
+                  </a:schemeClr>
+                </a:solidFill>
+              </a:rPr>
+              <a:t>재활용된 원료 → </a:t>
+            </a:r>
+            <a:r>
+              <a:rPr lang="ko-KR" altLang="en-US" sz="1800" u="sng" dirty="0">
+                <a:solidFill>
+                  <a:schemeClr val="tx2">
+                    <a:lumMod val="85000"/>
+                    <a:lumOff val="15000"/>
+                  </a:schemeClr>
+                </a:solidFill>
+              </a:rPr>
+              <a:t>지역사회</a:t>
+            </a:r>
+            <a:r>
+              <a:rPr lang="ko-KR" altLang="en-US" sz="1800" dirty="0">
+                <a:solidFill>
+                  <a:schemeClr val="tx2">
+                    <a:lumMod val="85000"/>
+                    <a:lumOff val="15000"/>
+                  </a:schemeClr>
+                </a:solidFill>
+              </a:rPr>
+              <a:t>를 위해 사용</a:t>
+            </a:r>
           </a:p>
         </p:txBody>
       </p:sp>
+      <p:pic>
+        <p:nvPicPr>
+          <p:cNvPr id="4099" name="Picture 3" descr="C:\Users\fveep\Desktop\오목눈이\222.PNG"/>
+          <p:cNvPicPr>
+            <a:picLocks noChangeAspect="1" noChangeArrowheads="1"/>
+          </p:cNvPicPr>
+          <p:nvPr/>
+        </p:nvPicPr>
+        <p:blipFill>
+          <a:blip r:embed="rId2" cstate="print"/>
+          <a:srcRect/>
+          <a:stretch>
+            <a:fillRect/>
+          </a:stretch>
+        </p:blipFill>
+        <p:spPr bwMode="auto">
+          <a:xfrm>
+            <a:off x="5429256" y="1714488"/>
+            <a:ext cx="3452790" cy="2143140"/>
+          </a:xfrm>
+          <a:prstGeom prst="rect">
+            <a:avLst/>
+          </a:prstGeom>
+          <a:noFill/>
+        </p:spPr>
+      </p:pic>
     </p:spTree>
   </p:cSld>
   <p:clrMapOvr>
@@ -5416,6 +5588,178 @@
 </file>
 
 <file path=ppt/slides/slide8.xml><?xml version="1.0" encoding="utf-8"?>
+<p:sld xmlns:a="http://schemas.openxmlformats.org/drawingml/2006/main" xmlns:r="http://schemas.openxmlformats.org/officeDocument/2006/relationships" xmlns:p="http://schemas.openxmlformats.org/presentationml/2006/main">
+  <p:cSld>
+    <p:spTree>
+      <p:nvGrpSpPr>
+        <p:cNvPr id="1" name=""/>
+        <p:cNvGrpSpPr/>
+        <p:nvPr/>
+      </p:nvGrpSpPr>
+      <p:grpSpPr>
+        <a:xfrm>
+          <a:off x="0" y="0"/>
+          <a:ext cx="0" cy="0"/>
+          <a:chOff x="0" y="0"/>
+          <a:chExt cx="0" cy="0"/>
+        </a:xfrm>
+      </p:grpSpPr>
+      <p:sp>
+        <p:nvSpPr>
+          <p:cNvPr id="2" name="제목 1">
+            <a:extLst>
+              <a:ext uri="{FF2B5EF4-FFF2-40B4-BE49-F238E27FC236}">
+                <a16:creationId xmlns:a16="http://schemas.microsoft.com/office/drawing/2014/main" id="{05682218-20A2-4267-9353-1F7A94BCE362}"/>
+              </a:ext>
+            </a:extLst>
+          </p:cNvPr>
+          <p:cNvSpPr>
+            <a:spLocks noGrp="1"/>
+          </p:cNvSpPr>
+          <p:nvPr>
+            <p:ph type="title"/>
+          </p:nvPr>
+        </p:nvSpPr>
+        <p:spPr/>
+        <p:txBody>
+          <a:bodyPr/>
+          <a:lstStyle/>
+          <a:p>
+            <a:r>
+              <a:rPr lang="ko-KR" altLang="en-US" dirty="0"/>
+              <a:t>출처</a:t>
+            </a:r>
+          </a:p>
+        </p:txBody>
+      </p:sp>
+      <p:sp>
+        <p:nvSpPr>
+          <p:cNvPr id="3" name="내용 개체 틀 2">
+            <a:extLst>
+              <a:ext uri="{FF2B5EF4-FFF2-40B4-BE49-F238E27FC236}">
+                <a16:creationId xmlns:a16="http://schemas.microsoft.com/office/drawing/2014/main" id="{D2545947-C0CA-482D-AA49-7C5F5BC4A911}"/>
+              </a:ext>
+            </a:extLst>
+          </p:cNvPr>
+          <p:cNvSpPr>
+            <a:spLocks noGrp="1"/>
+          </p:cNvSpPr>
+          <p:nvPr>
+            <p:ph idx="1"/>
+          </p:nvPr>
+        </p:nvSpPr>
+        <p:spPr>
+          <a:xfrm>
+            <a:off x="107504" y="1628775"/>
+            <a:ext cx="8785671" cy="4968875"/>
+          </a:xfrm>
+        </p:spPr>
+        <p:txBody>
+          <a:bodyPr/>
+          <a:lstStyle/>
+          <a:p>
+            <a:r>
+              <a:rPr lang="en-US" altLang="ko-KR" sz="1500" dirty="0">
+                <a:hlinkClick r:id="rId2"/>
+              </a:rPr>
+              <a:t>https://www.bbc.com/korean/news-48767692?xtor=AL-73-%5Bpartner%5D-%5Bnaver%5D-%5Bheadline%5D-%5Bkorean%5D-%5Bbizdev%5D-%5Bisapi%5D</a:t>
+            </a:r>
+            <a:endParaRPr lang="en-US" altLang="ko-KR" sz="1500" dirty="0"/>
+          </a:p>
+          <a:p>
+            <a:r>
+              <a:rPr lang="en-US" altLang="ko-KR" sz="1500" dirty="0"/>
+              <a:t>- </a:t>
+            </a:r>
+            <a:r>
+              <a:rPr lang="ko-KR" altLang="en-US" sz="1500" dirty="0"/>
+              <a:t>환경</a:t>
+            </a:r>
+            <a:r>
+              <a:rPr lang="en-US" altLang="ko-KR" sz="1500" dirty="0"/>
+              <a:t>: </a:t>
+            </a:r>
+            <a:r>
+              <a:rPr lang="ko-KR" altLang="en-US" sz="1500" dirty="0"/>
+              <a:t>새끼에게 </a:t>
+            </a:r>
+            <a:r>
+              <a:rPr lang="en-US" altLang="ko-KR" sz="1500" dirty="0"/>
+              <a:t>‘</a:t>
+            </a:r>
+            <a:r>
+              <a:rPr lang="ko-KR" altLang="en-US" sz="1500" dirty="0" err="1"/>
+              <a:t>담배꽁초＇물려주는</a:t>
+            </a:r>
+            <a:r>
+              <a:rPr lang="en-US" altLang="ko-KR" sz="1500" dirty="0"/>
+              <a:t>….</a:t>
+            </a:r>
+          </a:p>
+          <a:p>
+            <a:endParaRPr lang="en-US" altLang="ko-KR" sz="1500" dirty="0"/>
+          </a:p>
+          <a:p>
+            <a:r>
+              <a:rPr lang="en-US" altLang="ko-KR" sz="1500" dirty="0">
+                <a:hlinkClick r:id="rId3"/>
+              </a:rPr>
+              <a:t>www.greenpostkorea.co.kr/news/articleView.html?idxno=108676</a:t>
+            </a:r>
+            <a:endParaRPr lang="en-US" altLang="ko-KR" sz="1500" dirty="0"/>
+          </a:p>
+          <a:p>
+            <a:r>
+              <a:rPr lang="en-US" altLang="ko-KR" sz="1500" dirty="0"/>
+              <a:t>- </a:t>
+            </a:r>
+            <a:r>
+              <a:rPr lang="ko-KR" altLang="en-US" sz="1500" dirty="0" err="1"/>
+              <a:t>그린포스트코리아</a:t>
+            </a:r>
+            <a:r>
+              <a:rPr lang="ko-KR" altLang="en-US" sz="1500" dirty="0"/>
+              <a:t> </a:t>
+            </a:r>
+            <a:r>
+              <a:rPr lang="en-US" altLang="ko-KR" sz="1500" dirty="0"/>
+              <a:t>: “800</a:t>
+            </a:r>
+            <a:r>
+              <a:rPr lang="ko-KR" altLang="en-US" sz="1500" dirty="0" err="1"/>
+              <a:t>억개</a:t>
+            </a:r>
+            <a:r>
+              <a:rPr lang="ko-KR" altLang="en-US" sz="1500" dirty="0"/>
+              <a:t> 담배꽁초</a:t>
+            </a:r>
+            <a:r>
+              <a:rPr lang="en-US" altLang="ko-KR" sz="1500" dirty="0"/>
+              <a:t>……</a:t>
+            </a:r>
+          </a:p>
+          <a:p>
+            <a:endParaRPr lang="en-US" altLang="ko-KR" sz="1500" dirty="0"/>
+          </a:p>
+          <a:p>
+            <a:endParaRPr lang="ko-KR" altLang="en-US" sz="1500" dirty="0"/>
+          </a:p>
+        </p:txBody>
+      </p:sp>
+    </p:spTree>
+    <p:extLst>
+      <p:ext uri="{BB962C8B-B14F-4D97-AF65-F5344CB8AC3E}">
+        <p14:creationId xmlns:p14="http://schemas.microsoft.com/office/powerpoint/2010/main" val="443281448"/>
+      </p:ext>
+    </p:extLst>
+  </p:cSld>
+  <p:clrMapOvr>
+    <a:masterClrMapping/>
+  </p:clrMapOvr>
+</p:sld>
+</file>
+
+<file path=ppt/slides/slide9.xml><?xml version="1.0" encoding="utf-8"?>
 <p:sld xmlns:a="http://schemas.openxmlformats.org/drawingml/2006/main" xmlns:r="http://schemas.openxmlformats.org/officeDocument/2006/relationships" xmlns:p="http://schemas.openxmlformats.org/presentationml/2006/main">
   <p:cSld>
     <p:spTree>
@@ -5469,17 +5813,21 @@
             <a:pPr algn="ctr">
               <a:buNone/>
             </a:pPr>
-            <a:endParaRPr lang="en-US" altLang="ko-KR" sz="8000" dirty="0"/>
+            <a:endParaRPr lang="en-US" altLang="ko-KR" sz="7200" b="1" dirty="0"/>
           </a:p>
           <a:p>
             <a:pPr algn="ctr">
               <a:buNone/>
             </a:pPr>
             <a:r>
-              <a:rPr lang="en-US" altLang="ko-KR" sz="8000" dirty="0"/>
-              <a:t>Q&amp;A</a:t>
-            </a:r>
-            <a:endParaRPr lang="ko-KR" altLang="en-US" sz="8000" dirty="0"/>
+              <a:rPr lang="ko-KR" altLang="en-US" sz="7200" b="1" dirty="0"/>
+              <a:t>감사합니다</a:t>
+            </a:r>
+            <a:r>
+              <a:rPr lang="en-US" altLang="ko-KR" sz="7200" b="1" dirty="0"/>
+              <a:t>.</a:t>
+            </a:r>
+            <a:endParaRPr lang="ko-KR" altLang="en-US" sz="7200" b="1" dirty="0"/>
           </a:p>
         </p:txBody>
       </p:sp>
